--- a/Проект «Игра в ассоциации».pptx
+++ b/Проект «Игра в ассоциации».pptx
@@ -12,7 +12,8 @@
     <p:sldId id="260" r:id="rId6"/>
     <p:sldId id="261" r:id="rId7"/>
     <p:sldId id="262" r:id="rId8"/>
-    <p:sldId id="263" r:id="rId9"/>
+    <p:sldId id="264" r:id="rId9"/>
+    <p:sldId id="263" r:id="rId10"/>
   </p:sldIdLst>
   <p:sldSz cx="9144000" cy="6858000" type="screen4x3"/>
   <p:notesSz cx="6858000" cy="9144000"/>
@@ -3866,13 +3867,7 @@
               <a:rPr lang="ru-RU" sz="3200" dirty="0" smtClean="0">
                 <a:hlinkClick r:id="rId2" action="ppaction://hlinksldjump"/>
               </a:rPr>
-              <a:t>Описание </a:t>
-            </a:r>
-            <a:r>
-              <a:rPr lang="ru-RU" sz="3200" dirty="0" smtClean="0">
-                <a:hlinkClick r:id="rId2" action="ppaction://hlinksldjump"/>
-              </a:rPr>
-              <a:t>игры</a:t>
+              <a:t>Описание игры</a:t>
             </a:r>
             <a:endParaRPr lang="ru-RU" sz="3200" dirty="0" smtClean="0"/>
           </a:p>
@@ -4130,7 +4125,7 @@
 </file>
 
 <file path=ppt/slides/slide4.xml><?xml version="1.0" encoding="utf-8"?>
-<p:sld xmlns:a="http://schemas.openxmlformats.org/drawingml/2006/main" xmlns:r="http://schemas.openxmlformats.org/officeDocument/2006/relationships" xmlns:p="http://schemas.openxmlformats.org/presentationml/2006/main">
+<p:sld xmlns:a="http://schemas.openxmlformats.org/drawingml/2006/main" xmlns:r="http://schemas.openxmlformats.org/officeDocument/2006/relationships" xmlns:p="http://schemas.openxmlformats.org/presentationml/2006/main" showMasterSp="0">
   <p:cSld>
     <p:spTree>
       <p:nvGrpSpPr>
@@ -4200,8 +4195,8 @@
         </p:nvSpPr>
         <p:spPr>
           <a:xfrm>
-            <a:off x="179512" y="1556792"/>
-            <a:ext cx="8784976" cy="5112568"/>
+            <a:off x="179512" y="1340768"/>
+            <a:ext cx="8784976" cy="5328592"/>
           </a:xfrm>
         </p:spPr>
         <p:txBody>
@@ -4680,6 +4675,36 @@
           </a:p>
         </p:txBody>
       </p:sp>
+      <p:pic>
+        <p:nvPicPr>
+          <p:cNvPr id="3" name="Рисунок 2"/>
+          <p:cNvPicPr>
+            <a:picLocks noChangeAspect="1"/>
+          </p:cNvPicPr>
+          <p:nvPr/>
+        </p:nvPicPr>
+        <p:blipFill>
+          <a:blip r:embed="rId2">
+            <a:extLst>
+              <a:ext uri="{28A0092B-C50C-407E-A947-70E740481C1C}">
+                <a14:useLocalDpi xmlns:a14="http://schemas.microsoft.com/office/drawing/2010/main" val="0"/>
+              </a:ext>
+            </a:extLst>
+          </a:blip>
+          <a:stretch>
+            <a:fillRect/>
+          </a:stretch>
+        </p:blipFill>
+        <p:spPr>
+          <a:xfrm>
+            <a:off x="1835696" y="2876939"/>
+            <a:ext cx="5580112" cy="3720074"/>
+          </a:xfrm>
+          <a:prstGeom prst="rect">
+            <a:avLst/>
+          </a:prstGeom>
+        </p:spPr>
+      </p:pic>
     </p:spTree>
     <p:extLst>
       <p:ext uri="{BB962C8B-B14F-4D97-AF65-F5344CB8AC3E}">
@@ -4701,6 +4726,127 @@
 </file>
 
 <file path=ppt/slides/slide8.xml><?xml version="1.0" encoding="utf-8"?>
+<p:sld xmlns:a="http://schemas.openxmlformats.org/drawingml/2006/main" xmlns:r="http://schemas.openxmlformats.org/officeDocument/2006/relationships" xmlns:p="http://schemas.openxmlformats.org/presentationml/2006/main">
+  <p:cSld>
+    <p:spTree>
+      <p:nvGrpSpPr>
+        <p:cNvPr id="1" name=""/>
+        <p:cNvGrpSpPr/>
+        <p:nvPr/>
+      </p:nvGrpSpPr>
+      <p:grpSpPr>
+        <a:xfrm>
+          <a:off x="0" y="0"/>
+          <a:ext cx="0" cy="0"/>
+          <a:chOff x="0" y="0"/>
+          <a:chExt cx="0" cy="0"/>
+        </a:xfrm>
+      </p:grpSpPr>
+      <p:sp>
+        <p:nvSpPr>
+          <p:cNvPr id="2" name="Объект 1"/>
+          <p:cNvSpPr>
+            <a:spLocks noGrp="1"/>
+          </p:cNvSpPr>
+          <p:nvPr>
+            <p:ph idx="1"/>
+          </p:nvPr>
+        </p:nvSpPr>
+        <p:spPr>
+          <a:xfrm>
+            <a:off x="1691680" y="404664"/>
+            <a:ext cx="6096000" cy="770384"/>
+          </a:xfrm>
+        </p:spPr>
+        <p:txBody>
+          <a:bodyPr>
+            <a:normAutofit/>
+          </a:bodyPr>
+          <a:lstStyle/>
+          <a:p>
+            <a:pPr algn="ctr"/>
+            <a:r>
+              <a:rPr lang="ru-RU" sz="3200" dirty="0" smtClean="0"/>
+              <a:t>Приложение</a:t>
+            </a:r>
+            <a:endParaRPr lang="ru-RU" sz="3200" dirty="0"/>
+          </a:p>
+        </p:txBody>
+      </p:sp>
+      <p:sp>
+        <p:nvSpPr>
+          <p:cNvPr id="3" name="Заголовок 2"/>
+          <p:cNvSpPr>
+            <a:spLocks noGrp="1"/>
+          </p:cNvSpPr>
+          <p:nvPr>
+            <p:ph type="title"/>
+          </p:nvPr>
+        </p:nvSpPr>
+        <p:spPr>
+          <a:xfrm>
+            <a:off x="493158" y="908720"/>
+            <a:ext cx="7543800" cy="792088"/>
+          </a:xfrm>
+        </p:spPr>
+        <p:txBody>
+          <a:bodyPr/>
+          <a:lstStyle/>
+          <a:p>
+            <a:r>
+              <a:rPr lang="ru-RU" sz="3600" dirty="0" smtClean="0">
+                <a:hlinkClick r:id="rId2" action="ppaction://hlinkfile"/>
+              </a:rPr>
+              <a:t>Блок-схема</a:t>
+            </a:r>
+            <a:endParaRPr lang="ru-RU" sz="3600" dirty="0"/>
+          </a:p>
+        </p:txBody>
+      </p:sp>
+      <p:pic>
+        <p:nvPicPr>
+          <p:cNvPr id="4" name="Рисунок 3"/>
+          <p:cNvPicPr>
+            <a:picLocks noChangeAspect="1"/>
+          </p:cNvPicPr>
+          <p:nvPr/>
+        </p:nvPicPr>
+        <p:blipFill>
+          <a:blip r:embed="rId3">
+            <a:extLst>
+              <a:ext uri="{28A0092B-C50C-407E-A947-70E740481C1C}">
+                <a14:useLocalDpi xmlns:a14="http://schemas.microsoft.com/office/drawing/2010/main" val="0"/>
+              </a:ext>
+            </a:extLst>
+          </a:blip>
+          <a:stretch>
+            <a:fillRect/>
+          </a:stretch>
+        </p:blipFill>
+        <p:spPr>
+          <a:xfrm>
+            <a:off x="1115616" y="1958656"/>
+            <a:ext cx="6948264" cy="4391520"/>
+          </a:xfrm>
+          <a:prstGeom prst="rect">
+            <a:avLst/>
+          </a:prstGeom>
+        </p:spPr>
+      </p:pic>
+    </p:spTree>
+    <p:extLst>
+      <p:ext uri="{BB962C8B-B14F-4D97-AF65-F5344CB8AC3E}">
+        <p14:creationId xmlns:p14="http://schemas.microsoft.com/office/powerpoint/2010/main" val="1484916001"/>
+      </p:ext>
+    </p:extLst>
+  </p:cSld>
+  <p:clrMapOvr>
+    <a:masterClrMapping/>
+  </p:clrMapOvr>
+</p:sld>
+</file>
+
+<file path=ppt/slides/slide9.xml><?xml version="1.0" encoding="utf-8"?>
 <p:sld xmlns:a="http://schemas.openxmlformats.org/drawingml/2006/main" xmlns:r="http://schemas.openxmlformats.org/officeDocument/2006/relationships" xmlns:p="http://schemas.openxmlformats.org/presentationml/2006/main">
   <p:cSld>
     <p:spTree>

--- a/Проект «Игра в ассоциации».pptx
+++ b/Проект «Игра в ассоциации».pptx
@@ -3846,7 +3846,7 @@
         <p:spPr>
           <a:xfrm>
             <a:off x="467544" y="1340768"/>
-            <a:ext cx="8424936" cy="2554545"/>
+            <a:ext cx="8424936" cy="3046988"/>
           </a:xfrm>
           <a:prstGeom prst="rect">
             <a:avLst/>
@@ -3919,7 +3919,26 @@
               <a:rPr lang="ru-RU" sz="3200" dirty="0" smtClean="0">
                 <a:hlinkClick r:id="rId6" action="ppaction://hlinksldjump"/>
               </a:rPr>
-              <a:t>Будущие перспективы</a:t>
+              <a:t>Будущие </a:t>
+            </a:r>
+            <a:r>
+              <a:rPr lang="ru-RU" sz="3200" dirty="0" smtClean="0">
+                <a:hlinkClick r:id="rId6" action="ppaction://hlinksldjump"/>
+              </a:rPr>
+              <a:t>перспективы</a:t>
+            </a:r>
+            <a:endParaRPr lang="de-DE" sz="3200" dirty="0" smtClean="0"/>
+          </a:p>
+          <a:p>
+            <a:pPr marL="285750" indent="-285750">
+              <a:buFont typeface="Arial" pitchFamily="34" charset="0"/>
+              <a:buChar char="•"/>
+            </a:pPr>
+            <a:r>
+              <a:rPr lang="ru-RU" sz="3200" dirty="0" smtClean="0">
+                <a:hlinkClick r:id="rId7" action="ppaction://hlinksldjump"/>
+              </a:rPr>
+              <a:t>Приложение</a:t>
             </a:r>
             <a:endParaRPr lang="ru-RU" sz="3200" dirty="0" smtClean="0"/>
           </a:p>
@@ -4843,6 +4862,13 @@
   <p:clrMapOvr>
     <a:masterClrMapping/>
   </p:clrMapOvr>
+  <p:timing>
+    <p:tnLst>
+      <p:par>
+        <p:cTn id="1" dur="indefinite" restart="never" nodeType="tmRoot"/>
+      </p:par>
+    </p:tnLst>
+  </p:timing>
 </p:sld>
 </file>
 

--- a/Проект «Игра в ассоциации».pptx
+++ b/Проект «Игра в ассоциации».pptx
@@ -3784,7 +3784,7 @@
 </file>
 
 <file path=ppt/slides/slide2.xml><?xml version="1.0" encoding="utf-8"?>
-<p:sld xmlns:a="http://schemas.openxmlformats.org/drawingml/2006/main" xmlns:r="http://schemas.openxmlformats.org/officeDocument/2006/relationships" xmlns:p="http://schemas.openxmlformats.org/presentationml/2006/main">
+<p:sld xmlns:a="http://schemas.openxmlformats.org/drawingml/2006/main" xmlns:r="http://schemas.openxmlformats.org/officeDocument/2006/relationships" xmlns:p="http://schemas.openxmlformats.org/presentationml/2006/main" show="0">
   <p:cSld>
     <p:spTree>
       <p:nvGrpSpPr>
@@ -3919,13 +3919,7 @@
               <a:rPr lang="ru-RU" sz="3200" dirty="0" smtClean="0">
                 <a:hlinkClick r:id="rId6" action="ppaction://hlinksldjump"/>
               </a:rPr>
-              <a:t>Будущие </a:t>
-            </a:r>
-            <a:r>
-              <a:rPr lang="ru-RU" sz="3200" dirty="0" smtClean="0">
-                <a:hlinkClick r:id="rId6" action="ppaction://hlinksldjump"/>
-              </a:rPr>
-              <a:t>перспективы</a:t>
+              <a:t>Будущие перспективы</a:t>
             </a:r>
             <a:endParaRPr lang="de-DE" sz="3200" dirty="0" smtClean="0"/>
           </a:p>
@@ -3954,6 +3948,14 @@
   <p:clrMapOvr>
     <a:masterClrMapping/>
   </p:clrMapOvr>
+  <mc:AlternateContent xmlns:mc="http://schemas.openxmlformats.org/markup-compatibility/2006">
+    <mc:Choice xmlns:p14="http://schemas.microsoft.com/office/powerpoint/2010/main" Requires="p14">
+      <p:transition spd="slow" p14:dur="2000"/>
+    </mc:Choice>
+    <mc:Fallback>
+      <p:transition spd="slow"/>
+    </mc:Fallback>
+  </mc:AlternateContent>
   <p:timing>
     <p:tnLst>
       <p:par>
@@ -4617,7 +4619,7 @@
         </p:nvSpPr>
         <p:spPr>
           <a:xfrm>
-            <a:off x="107504" y="1196752"/>
+            <a:off x="107504" y="692696"/>
             <a:ext cx="9036496" cy="2433463"/>
           </a:xfrm>
         </p:spPr>
@@ -4635,7 +4637,40 @@
                 <a:latin typeface="Times New Roman" pitchFamily="18" charset="0"/>
                 <a:cs typeface="Times New Roman" pitchFamily="18" charset="0"/>
               </a:rPr>
-              <a:t>В будущем планируется добавить возможность самостоятельного добавления игроками карточек с картинками, а также игру через </a:t>
+              <a:t>Осуществление основных функциональных требований.</a:t>
+            </a:r>
+          </a:p>
+          <a:p>
+            <a:pPr marL="0" indent="0">
+              <a:buNone/>
+            </a:pPr>
+            <a:r>
+              <a:rPr lang="ru-RU" sz="2400" dirty="0" smtClean="0">
+                <a:latin typeface="Times New Roman" pitchFamily="18" charset="0"/>
+                <a:cs typeface="Times New Roman" pitchFamily="18" charset="0"/>
+              </a:rPr>
+              <a:t>В </a:t>
+            </a:r>
+            <a:r>
+              <a:rPr lang="ru-RU" sz="2400" dirty="0" smtClean="0">
+                <a:latin typeface="Times New Roman" pitchFamily="18" charset="0"/>
+                <a:cs typeface="Times New Roman" pitchFamily="18" charset="0"/>
+              </a:rPr>
+              <a:t>будущем планируется </a:t>
+            </a:r>
+            <a:r>
+              <a:rPr lang="ru-RU" sz="2400" dirty="0" smtClean="0">
+                <a:latin typeface="Times New Roman" pitchFamily="18" charset="0"/>
+                <a:cs typeface="Times New Roman" pitchFamily="18" charset="0"/>
+              </a:rPr>
+              <a:t>также добавить </a:t>
+            </a:r>
+            <a:r>
+              <a:rPr lang="ru-RU" sz="2400" dirty="0" smtClean="0">
+                <a:latin typeface="Times New Roman" pitchFamily="18" charset="0"/>
+                <a:cs typeface="Times New Roman" pitchFamily="18" charset="0"/>
+              </a:rPr>
+              <a:t>возможность самостоятельного добавления игроками карточек с картинками, а также игру через </a:t>
             </a:r>
             <a:r>
               <a:rPr lang="de-DE" sz="2400" dirty="0" smtClean="0">
@@ -4670,7 +4705,7 @@
         </p:nvSpPr>
         <p:spPr>
           <a:xfrm>
-            <a:off x="2483768" y="0"/>
+            <a:off x="2483768" y="-99392"/>
             <a:ext cx="8229600" cy="1143000"/>
           </a:xfrm>
         </p:spPr>
